--- a/EDUnet_Project_(Simple Interest Calculator).pptx
+++ b/EDUnet_Project_(Simple Interest Calculator).pptx
@@ -9146,7 +9146,7 @@
       <p:pic>
         <p:nvPicPr>
           <p:cNvPr id="7" name="Picture 6">
-            <a:hlinkClick r:id="rId2"/>
+            <a:hlinkClick r:id="rId3"/>
             <a:extLst>
               <a:ext uri="{FF2B5EF4-FFF2-40B4-BE49-F238E27FC236}">
                 <a16:creationId xmlns:a16="http://schemas.microsoft.com/office/drawing/2014/main" id="{0A4772B3-876F-4D1A-8482-206F66BB03B6}"/>
@@ -9159,7 +9159,7 @@
           <p:nvPr/>
         </p:nvPicPr>
         <p:blipFill>
-          <a:blip r:embed="rId3">
+          <a:blip r:embed="rId4">
             <a:extLst>
               <a:ext uri="{28A0092B-C50C-407E-A947-70E740481C1C}">
                 <a14:useLocalDpi xmlns:a14="http://schemas.microsoft.com/office/drawing/2010/main" val="0"/>
